--- a/iqsign/outline.pptx
+++ b/iqsign/outline.pptx
@@ -3369,7 +3369,10 @@
           <a:lstStyle/>
           <a:p>
             <a:pPr algn="ctr"/>
-            <a:endParaRPr lang="en-US"/>
+            <a:r>
+              <a:rPr lang="en-US"/>
+              <a:t>the S</a:t>
+            </a:r>
           </a:p>
         </p:txBody>
       </p:sp>
